--- a/Approfondimento - Security/Presentazione - Savazzi - Alex.pptx
+++ b/Approfondimento - Security/Presentazione - Savazzi - Alex.pptx
@@ -5,7 +5,7 @@
     <p:sldMasterId id="2147483648" r:id="rId1"/>
   </p:sldMasterIdLst>
   <p:notesMasterIdLst>
-    <p:notesMasterId r:id="rId22"/>
+    <p:notesMasterId r:id="rId28"/>
   </p:notesMasterIdLst>
   <p:sldIdLst>
     <p:sldId id="256" r:id="rId2"/>
@@ -27,7 +27,13 @@
     <p:sldId id="289" r:id="rId18"/>
     <p:sldId id="290" r:id="rId19"/>
     <p:sldId id="291" r:id="rId20"/>
-    <p:sldId id="282" r:id="rId21"/>
+    <p:sldId id="303" r:id="rId21"/>
+    <p:sldId id="304" r:id="rId22"/>
+    <p:sldId id="305" r:id="rId23"/>
+    <p:sldId id="307" r:id="rId24"/>
+    <p:sldId id="306" r:id="rId25"/>
+    <p:sldId id="308" r:id="rId26"/>
+    <p:sldId id="282" r:id="rId27"/>
   </p:sldIdLst>
   <p:sldSz cx="12192000" cy="6858000"/>
   <p:notesSz cx="6858000" cy="9144000"/>
@@ -8875,6 +8881,2156 @@
               <a:rPr lang="it-IT" smtClean="0"/>
               <a:t>20</a:t>
             </a:fld>
+            <a:endParaRPr lang="it-IT"/>
+          </a:p>
+        </p:txBody>
+      </p:sp>
+      <p:pic>
+        <p:nvPicPr>
+          <p:cNvPr id="6" name="Immagine 5">
+            <a:extLst>
+              <a:ext uri="{FF2B5EF4-FFF2-40B4-BE49-F238E27FC236}">
+                <a16:creationId xmlns:a16="http://schemas.microsoft.com/office/drawing/2014/main" id="{64DD2710-C925-4AEB-B772-6D532D848EB4}"/>
+              </a:ext>
+            </a:extLst>
+          </p:cNvPr>
+          <p:cNvPicPr>
+            <a:picLocks noChangeAspect="1"/>
+          </p:cNvPicPr>
+          <p:nvPr/>
+        </p:nvPicPr>
+        <p:blipFill rotWithShape="1">
+          <a:blip r:embed="rId2"/>
+          <a:srcRect l="5289" t="10969" r="1423" b="12551"/>
+          <a:stretch/>
+        </p:blipFill>
+        <p:spPr>
+          <a:xfrm>
+            <a:off x="1066800" y="136525"/>
+            <a:ext cx="10058400" cy="1295266"/>
+          </a:xfrm>
+          <a:prstGeom prst="rect">
+            <a:avLst/>
+          </a:prstGeom>
+        </p:spPr>
+      </p:pic>
+      <p:sp>
+        <p:nvSpPr>
+          <p:cNvPr id="8" name="CasellaDiTesto 7">
+            <a:extLst>
+              <a:ext uri="{FF2B5EF4-FFF2-40B4-BE49-F238E27FC236}">
+                <a16:creationId xmlns:a16="http://schemas.microsoft.com/office/drawing/2014/main" id="{3E0E40B7-DD25-4779-A260-DCF2A62C4B41}"/>
+              </a:ext>
+            </a:extLst>
+          </p:cNvPr>
+          <p:cNvSpPr txBox="1"/>
+          <p:nvPr/>
+        </p:nvSpPr>
+        <p:spPr>
+          <a:xfrm>
+            <a:off x="2413592" y="677393"/>
+            <a:ext cx="4861203" cy="584775"/>
+          </a:xfrm>
+          <a:prstGeom prst="rect">
+            <a:avLst/>
+          </a:prstGeom>
+          <a:noFill/>
+        </p:spPr>
+        <p:txBody>
+          <a:bodyPr wrap="none" rtlCol="0">
+            <a:spAutoFit/>
+          </a:bodyPr>
+          <a:lstStyle>
+            <a:defPPr>
+              <a:defRPr lang="it-IT"/>
+            </a:defPPr>
+            <a:lvl1pPr>
+              <a:defRPr sz="4800">
+                <a:ln w="0"/>
+                <a:solidFill>
+                  <a:srgbClr val="002060"/>
+                </a:solidFill>
+                <a:effectLst>
+                  <a:outerShdw blurRad="38100" dist="25400" dir="5400000" algn="ctr" rotWithShape="0">
+                    <a:srgbClr val="6E747A">
+                      <a:alpha val="43000"/>
+                    </a:srgbClr>
+                  </a:outerShdw>
+                </a:effectLst>
+              </a:defRPr>
+            </a:lvl1pPr>
+          </a:lstStyle>
+          <a:p>
+            <a:r>
+              <a:rPr lang="en-US" sz="3200" i="1" dirty="0"/>
+              <a:t>Tactics-Based Questionnaire</a:t>
+            </a:r>
+            <a:endParaRPr lang="it-IT" sz="3200" i="1" dirty="0"/>
+          </a:p>
+        </p:txBody>
+      </p:sp>
+      <p:pic>
+        <p:nvPicPr>
+          <p:cNvPr id="9" name="Picture 2" descr="Università degli Studi di Milano-Bicocca - Wikipedia">
+            <a:extLst>
+              <a:ext uri="{FF2B5EF4-FFF2-40B4-BE49-F238E27FC236}">
+                <a16:creationId xmlns:a16="http://schemas.microsoft.com/office/drawing/2014/main" id="{9D1896BC-6EF3-43D9-B8A2-217137CA9550}"/>
+              </a:ext>
+            </a:extLst>
+          </p:cNvPr>
+          <p:cNvPicPr>
+            <a:picLocks noChangeAspect="1" noChangeArrowheads="1"/>
+          </p:cNvPicPr>
+          <p:nvPr/>
+        </p:nvPicPr>
+        <p:blipFill>
+          <a:blip r:embed="rId3">
+            <a:extLst>
+              <a:ext uri="{28A0092B-C50C-407E-A947-70E740481C1C}">
+                <a14:useLocalDpi xmlns:a14="http://schemas.microsoft.com/office/drawing/2010/main" val="0"/>
+              </a:ext>
+            </a:extLst>
+          </a:blip>
+          <a:srcRect/>
+          <a:stretch>
+            <a:fillRect/>
+          </a:stretch>
+        </p:blipFill>
+        <p:spPr bwMode="auto">
+          <a:xfrm>
+            <a:off x="1066800" y="160156"/>
+            <a:ext cx="1346792" cy="1331078"/>
+          </a:xfrm>
+          <a:prstGeom prst="rect">
+            <a:avLst/>
+          </a:prstGeom>
+          <a:noFill/>
+          <a:extLst>
+            <a:ext uri="{909E8E84-426E-40DD-AFC4-6F175D3DCCD1}">
+              <a14:hiddenFill xmlns:a14="http://schemas.microsoft.com/office/drawing/2010/main">
+                <a:solidFill>
+                  <a:srgbClr val="FFFFFF"/>
+                </a:solidFill>
+              </a14:hiddenFill>
+            </a:ext>
+          </a:extLst>
+        </p:spPr>
+      </p:pic>
+      <p:graphicFrame>
+        <p:nvGraphicFramePr>
+          <p:cNvPr id="2" name="Table 2">
+            <a:extLst>
+              <a:ext uri="{FF2B5EF4-FFF2-40B4-BE49-F238E27FC236}">
+                <a16:creationId xmlns:a16="http://schemas.microsoft.com/office/drawing/2014/main" id="{E626E81B-B328-E534-ED4C-701DDE97DC1B}"/>
+              </a:ext>
+            </a:extLst>
+          </p:cNvPr>
+          <p:cNvGraphicFramePr>
+            <a:graphicFrameLocks noGrp="1"/>
+          </p:cNvGraphicFramePr>
+          <p:nvPr>
+            <p:extLst>
+              <p:ext uri="{D42A27DB-BD31-4B8C-83A1-F6EECF244321}">
+                <p14:modId xmlns:p14="http://schemas.microsoft.com/office/powerpoint/2010/main" val="870317000"/>
+              </p:ext>
+            </p:extLst>
+          </p:nvPr>
+        </p:nvGraphicFramePr>
+        <p:xfrm>
+          <a:off x="1066800" y="1949028"/>
+          <a:ext cx="10058400" cy="914400"/>
+        </p:xfrm>
+        <a:graphic>
+          <a:graphicData uri="http://schemas.openxmlformats.org/drawingml/2006/table">
+            <a:tbl>
+              <a:tblPr firstRow="1" bandRow="1">
+                <a:tableStyleId>{5C22544A-7EE6-4342-B048-85BDC9FD1C3A}</a:tableStyleId>
+              </a:tblPr>
+              <a:tblGrid>
+                <a:gridCol w="1676400">
+                  <a:extLst>
+                    <a:ext uri="{9D8B030D-6E8A-4147-A177-3AD203B41FA5}">
+                      <a16:colId xmlns:a16="http://schemas.microsoft.com/office/drawing/2014/main" val="3614846756"/>
+                    </a:ext>
+                  </a:extLst>
+                </a:gridCol>
+                <a:gridCol w="1676400">
+                  <a:extLst>
+                    <a:ext uri="{9D8B030D-6E8A-4147-A177-3AD203B41FA5}">
+                      <a16:colId xmlns:a16="http://schemas.microsoft.com/office/drawing/2014/main" val="2872777633"/>
+                    </a:ext>
+                  </a:extLst>
+                </a:gridCol>
+                <a:gridCol w="1676400">
+                  <a:extLst>
+                    <a:ext uri="{9D8B030D-6E8A-4147-A177-3AD203B41FA5}">
+                      <a16:colId xmlns:a16="http://schemas.microsoft.com/office/drawing/2014/main" val="1068827838"/>
+                    </a:ext>
+                  </a:extLst>
+                </a:gridCol>
+                <a:gridCol w="1676400">
+                  <a:extLst>
+                    <a:ext uri="{9D8B030D-6E8A-4147-A177-3AD203B41FA5}">
+                      <a16:colId xmlns:a16="http://schemas.microsoft.com/office/drawing/2014/main" val="3203405006"/>
+                    </a:ext>
+                  </a:extLst>
+                </a:gridCol>
+                <a:gridCol w="1676400">
+                  <a:extLst>
+                    <a:ext uri="{9D8B030D-6E8A-4147-A177-3AD203B41FA5}">
+                      <a16:colId xmlns:a16="http://schemas.microsoft.com/office/drawing/2014/main" val="3107383996"/>
+                    </a:ext>
+                  </a:extLst>
+                </a:gridCol>
+                <a:gridCol w="1676400">
+                  <a:extLst>
+                    <a:ext uri="{9D8B030D-6E8A-4147-A177-3AD203B41FA5}">
+                      <a16:colId xmlns:a16="http://schemas.microsoft.com/office/drawing/2014/main" val="3918612122"/>
+                    </a:ext>
+                  </a:extLst>
+                </a:gridCol>
+              </a:tblGrid>
+              <a:tr h="370840">
+                <a:tc>
+                  <a:txBody>
+                    <a:bodyPr/>
+                    <a:lstStyle/>
+                    <a:p>
+                      <a:pPr algn="ctr"/>
+                      <a:r>
+                        <a:rPr lang="en-US" dirty="0"/>
+                        <a:t>Tactics Group</a:t>
+                      </a:r>
+                      <a:endParaRPr lang="it-IT" dirty="0"/>
+                    </a:p>
+                  </a:txBody>
+                  <a:tcPr/>
+                </a:tc>
+                <a:tc>
+                  <a:txBody>
+                    <a:bodyPr/>
+                    <a:lstStyle/>
+                    <a:p>
+                      <a:pPr algn="ctr"/>
+                      <a:r>
+                        <a:rPr lang="en-US" dirty="0"/>
+                        <a:t>Tactic Question</a:t>
+                      </a:r>
+                      <a:endParaRPr lang="it-IT" dirty="0"/>
+                    </a:p>
+                  </a:txBody>
+                  <a:tcPr/>
+                </a:tc>
+                <a:tc>
+                  <a:txBody>
+                    <a:bodyPr/>
+                    <a:lstStyle/>
+                    <a:p>
+                      <a:pPr algn="ctr"/>
+                      <a:r>
+                        <a:rPr lang="en-US" dirty="0"/>
+                        <a:t>Supported? (Y/N)</a:t>
+                      </a:r>
+                      <a:endParaRPr lang="it-IT" dirty="0"/>
+                    </a:p>
+                  </a:txBody>
+                  <a:tcPr/>
+                </a:tc>
+                <a:tc>
+                  <a:txBody>
+                    <a:bodyPr/>
+                    <a:lstStyle/>
+                    <a:p>
+                      <a:pPr algn="ctr"/>
+                      <a:r>
+                        <a:rPr lang="en-US" dirty="0"/>
+                        <a:t>Risk</a:t>
+                      </a:r>
+                      <a:endParaRPr lang="it-IT" dirty="0"/>
+                    </a:p>
+                  </a:txBody>
+                  <a:tcPr/>
+                </a:tc>
+                <a:tc>
+                  <a:txBody>
+                    <a:bodyPr/>
+                    <a:lstStyle/>
+                    <a:p>
+                      <a:pPr algn="ctr"/>
+                      <a:r>
+                        <a:rPr lang="en-US" dirty="0"/>
+                        <a:t>Design Decisions &amp; Location</a:t>
+                      </a:r>
+                      <a:endParaRPr lang="it-IT" dirty="0"/>
+                    </a:p>
+                  </a:txBody>
+                  <a:tcPr/>
+                </a:tc>
+                <a:tc>
+                  <a:txBody>
+                    <a:bodyPr/>
+                    <a:lstStyle/>
+                    <a:p>
+                      <a:pPr algn="ctr"/>
+                      <a:r>
+                        <a:rPr lang="en-US" dirty="0"/>
+                        <a:t>Rationale &amp; Assumptions</a:t>
+                      </a:r>
+                      <a:endParaRPr lang="it-IT" dirty="0"/>
+                    </a:p>
+                  </a:txBody>
+                  <a:tcPr/>
+                </a:tc>
+                <a:extLst>
+                  <a:ext uri="{0D108BD9-81ED-4DB2-BD59-A6C34878D82A}">
+                    <a16:rowId xmlns:a16="http://schemas.microsoft.com/office/drawing/2014/main" val="1229993468"/>
+                  </a:ext>
+                </a:extLst>
+              </a:tr>
+            </a:tbl>
+          </a:graphicData>
+        </a:graphic>
+      </p:graphicFrame>
+    </p:spTree>
+    <p:extLst>
+      <p:ext uri="{BB962C8B-B14F-4D97-AF65-F5344CB8AC3E}">
+        <p14:creationId xmlns:p14="http://schemas.microsoft.com/office/powerpoint/2010/main" val="2803256389"/>
+      </p:ext>
+    </p:extLst>
+  </p:cSld>
+  <p:clrMapOvr>
+    <a:masterClrMapping/>
+  </p:clrMapOvr>
+</p:sld>
+</file>
+
+<file path=ppt/slides/slide21.xml><?xml version="1.0" encoding="utf-8"?>
+<p:sld xmlns:a="http://schemas.openxmlformats.org/drawingml/2006/main" xmlns:r="http://schemas.openxmlformats.org/officeDocument/2006/relationships" xmlns:p="http://schemas.openxmlformats.org/presentationml/2006/main">
+  <p:cSld>
+    <p:spTree>
+      <p:nvGrpSpPr>
+        <p:cNvPr id="1" name=""/>
+        <p:cNvGrpSpPr/>
+        <p:nvPr/>
+      </p:nvGrpSpPr>
+      <p:grpSpPr>
+        <a:xfrm>
+          <a:off x="0" y="0"/>
+          <a:ext cx="0" cy="0"/>
+          <a:chOff x="0" y="0"/>
+          <a:chExt cx="0" cy="0"/>
+        </a:xfrm>
+      </p:grpSpPr>
+      <p:sp>
+        <p:nvSpPr>
+          <p:cNvPr id="4" name="Segnaposto numero diapositiva 3">
+            <a:extLst>
+              <a:ext uri="{FF2B5EF4-FFF2-40B4-BE49-F238E27FC236}">
+                <a16:creationId xmlns:a16="http://schemas.microsoft.com/office/drawing/2014/main" id="{91E057A0-BAB1-4D57-BDBD-F8F3DE02BEE1}"/>
+              </a:ext>
+            </a:extLst>
+          </p:cNvPr>
+          <p:cNvSpPr>
+            <a:spLocks noGrp="1"/>
+          </p:cNvSpPr>
+          <p:nvPr>
+            <p:ph type="sldNum" sz="quarter" idx="12"/>
+          </p:nvPr>
+        </p:nvSpPr>
+        <p:spPr/>
+        <p:txBody>
+          <a:bodyPr/>
+          <a:lstStyle/>
+          <a:p>
+            <a:fld id="{AFB85319-5DF8-4B17-9881-6D5B2C7AB305}" type="slidenum">
+              <a:rPr lang="it-IT" smtClean="0"/>
+              <a:t>21</a:t>
+            </a:fld>
+            <a:endParaRPr lang="it-IT"/>
+          </a:p>
+        </p:txBody>
+      </p:sp>
+      <p:pic>
+        <p:nvPicPr>
+          <p:cNvPr id="6" name="Immagine 5">
+            <a:extLst>
+              <a:ext uri="{FF2B5EF4-FFF2-40B4-BE49-F238E27FC236}">
+                <a16:creationId xmlns:a16="http://schemas.microsoft.com/office/drawing/2014/main" id="{64DD2710-C925-4AEB-B772-6D532D848EB4}"/>
+              </a:ext>
+            </a:extLst>
+          </p:cNvPr>
+          <p:cNvPicPr>
+            <a:picLocks noChangeAspect="1"/>
+          </p:cNvPicPr>
+          <p:nvPr/>
+        </p:nvPicPr>
+        <p:blipFill rotWithShape="1">
+          <a:blip r:embed="rId2"/>
+          <a:srcRect l="5289" t="10969" r="1423" b="12551"/>
+          <a:stretch/>
+        </p:blipFill>
+        <p:spPr>
+          <a:xfrm>
+            <a:off x="1066800" y="136525"/>
+            <a:ext cx="10058400" cy="1295266"/>
+          </a:xfrm>
+          <a:prstGeom prst="rect">
+            <a:avLst/>
+          </a:prstGeom>
+        </p:spPr>
+      </p:pic>
+      <p:sp>
+        <p:nvSpPr>
+          <p:cNvPr id="8" name="CasellaDiTesto 7">
+            <a:extLst>
+              <a:ext uri="{FF2B5EF4-FFF2-40B4-BE49-F238E27FC236}">
+                <a16:creationId xmlns:a16="http://schemas.microsoft.com/office/drawing/2014/main" id="{3E0E40B7-DD25-4779-A260-DCF2A62C4B41}"/>
+              </a:ext>
+            </a:extLst>
+          </p:cNvPr>
+          <p:cNvSpPr txBox="1"/>
+          <p:nvPr/>
+        </p:nvSpPr>
+        <p:spPr>
+          <a:xfrm>
+            <a:off x="2413592" y="677393"/>
+            <a:ext cx="1576842" cy="584775"/>
+          </a:xfrm>
+          <a:prstGeom prst="rect">
+            <a:avLst/>
+          </a:prstGeom>
+          <a:noFill/>
+        </p:spPr>
+        <p:txBody>
+          <a:bodyPr wrap="none" rtlCol="0">
+            <a:spAutoFit/>
+          </a:bodyPr>
+          <a:lstStyle>
+            <a:defPPr>
+              <a:defRPr lang="it-IT"/>
+            </a:defPPr>
+            <a:lvl1pPr>
+              <a:defRPr sz="4800">
+                <a:ln w="0"/>
+                <a:solidFill>
+                  <a:srgbClr val="002060"/>
+                </a:solidFill>
+                <a:effectLst>
+                  <a:outerShdw blurRad="38100" dist="25400" dir="5400000" algn="ctr" rotWithShape="0">
+                    <a:srgbClr val="6E747A">
+                      <a:alpha val="43000"/>
+                    </a:srgbClr>
+                  </a:outerShdw>
+                </a:effectLst>
+              </a:defRPr>
+            </a:lvl1pPr>
+          </a:lstStyle>
+          <a:p>
+            <a:r>
+              <a:rPr lang="en-US" sz="3200" i="1" dirty="0"/>
+              <a:t>Patterns</a:t>
+            </a:r>
+            <a:endParaRPr lang="it-IT" sz="3200" i="1" dirty="0"/>
+          </a:p>
+        </p:txBody>
+      </p:sp>
+      <p:pic>
+        <p:nvPicPr>
+          <p:cNvPr id="9" name="Picture 2" descr="Università degli Studi di Milano-Bicocca - Wikipedia">
+            <a:extLst>
+              <a:ext uri="{FF2B5EF4-FFF2-40B4-BE49-F238E27FC236}">
+                <a16:creationId xmlns:a16="http://schemas.microsoft.com/office/drawing/2014/main" id="{9D1896BC-6EF3-43D9-B8A2-217137CA9550}"/>
+              </a:ext>
+            </a:extLst>
+          </p:cNvPr>
+          <p:cNvPicPr>
+            <a:picLocks noChangeAspect="1" noChangeArrowheads="1"/>
+          </p:cNvPicPr>
+          <p:nvPr/>
+        </p:nvPicPr>
+        <p:blipFill>
+          <a:blip r:embed="rId3">
+            <a:extLst>
+              <a:ext uri="{28A0092B-C50C-407E-A947-70E740481C1C}">
+                <a14:useLocalDpi xmlns:a14="http://schemas.microsoft.com/office/drawing/2010/main" val="0"/>
+              </a:ext>
+            </a:extLst>
+          </a:blip>
+          <a:srcRect/>
+          <a:stretch>
+            <a:fillRect/>
+          </a:stretch>
+        </p:blipFill>
+        <p:spPr bwMode="auto">
+          <a:xfrm>
+            <a:off x="1066800" y="160156"/>
+            <a:ext cx="1346792" cy="1331078"/>
+          </a:xfrm>
+          <a:prstGeom prst="rect">
+            <a:avLst/>
+          </a:prstGeom>
+          <a:noFill/>
+          <a:extLst>
+            <a:ext uri="{909E8E84-426E-40DD-AFC4-6F175D3DCCD1}">
+              <a14:hiddenFill xmlns:a14="http://schemas.microsoft.com/office/drawing/2010/main">
+                <a:solidFill>
+                  <a:srgbClr val="FFFFFF"/>
+                </a:solidFill>
+              </a14:hiddenFill>
+            </a:ext>
+          </a:extLst>
+        </p:spPr>
+      </p:pic>
+      <p:sp>
+        <p:nvSpPr>
+          <p:cNvPr id="7" name="CasellaDiTesto 11">
+            <a:extLst>
+              <a:ext uri="{FF2B5EF4-FFF2-40B4-BE49-F238E27FC236}">
+                <a16:creationId xmlns:a16="http://schemas.microsoft.com/office/drawing/2014/main" id="{7B82A944-736D-C6D7-9A3E-DB1EB1EDA80F}"/>
+              </a:ext>
+            </a:extLst>
+          </p:cNvPr>
+          <p:cNvSpPr txBox="1"/>
+          <p:nvPr/>
+        </p:nvSpPr>
+        <p:spPr>
+          <a:xfrm>
+            <a:off x="2556164" y="1972659"/>
+            <a:ext cx="7079672" cy="1200329"/>
+          </a:xfrm>
+          <a:prstGeom prst="rect">
+            <a:avLst/>
+          </a:prstGeom>
+          <a:noFill/>
+        </p:spPr>
+        <p:txBody>
+          <a:bodyPr wrap="square" rtlCol="0">
+            <a:spAutoFit/>
+          </a:bodyPr>
+          <a:lstStyle/>
+          <a:p>
+            <a:pPr algn="just"/>
+            <a:r>
+              <a:rPr lang="en-US" sz="2400" i="1" dirty="0">
+                <a:ln w="0"/>
+                <a:solidFill>
+                  <a:srgbClr val="002060"/>
+                </a:solidFill>
+                <a:effectLst>
+                  <a:outerShdw blurRad="38100" dist="25400" dir="5400000" algn="ctr" rotWithShape="0">
+                    <a:srgbClr val="6E747A">
+                      <a:alpha val="43000"/>
+                    </a:srgbClr>
+                  </a:outerShdw>
+                </a:effectLst>
+              </a:rPr>
+              <a:t>Two of the more well-known patterns for security are:</a:t>
+            </a:r>
+          </a:p>
+          <a:p>
+            <a:pPr marL="342900" indent="-342900" algn="just">
+              <a:buFont typeface="Arial" panose="020B0604020202020204" pitchFamily="34" charset="0"/>
+              <a:buChar char="•"/>
+            </a:pPr>
+            <a:r>
+              <a:rPr lang="en-US" sz="2400" i="1" dirty="0">
+                <a:ln w="0"/>
+                <a:solidFill>
+                  <a:srgbClr val="002060"/>
+                </a:solidFill>
+                <a:effectLst>
+                  <a:outerShdw blurRad="38100" dist="25400" dir="5400000" algn="ctr" rotWithShape="0">
+                    <a:srgbClr val="6E747A">
+                      <a:alpha val="43000"/>
+                    </a:srgbClr>
+                  </a:outerShdw>
+                </a:effectLst>
+              </a:rPr>
+              <a:t>intercepting validator.</a:t>
+            </a:r>
+          </a:p>
+          <a:p>
+            <a:pPr marL="342900" indent="-342900" algn="just">
+              <a:buFont typeface="Arial" panose="020B0604020202020204" pitchFamily="34" charset="0"/>
+              <a:buChar char="•"/>
+            </a:pPr>
+            <a:r>
+              <a:rPr lang="en-US" sz="2400" i="1" dirty="0">
+                <a:ln w="0"/>
+                <a:solidFill>
+                  <a:srgbClr val="002060"/>
+                </a:solidFill>
+                <a:effectLst>
+                  <a:outerShdw blurRad="38100" dist="25400" dir="5400000" algn="ctr" rotWithShape="0">
+                    <a:srgbClr val="6E747A">
+                      <a:alpha val="43000"/>
+                    </a:srgbClr>
+                  </a:outerShdw>
+                </a:effectLst>
+              </a:rPr>
+              <a:t>intrusion prevention system.</a:t>
+            </a:r>
+          </a:p>
+        </p:txBody>
+      </p:sp>
+    </p:spTree>
+    <p:extLst>
+      <p:ext uri="{BB962C8B-B14F-4D97-AF65-F5344CB8AC3E}">
+        <p14:creationId xmlns:p14="http://schemas.microsoft.com/office/powerpoint/2010/main" val="767935500"/>
+      </p:ext>
+    </p:extLst>
+  </p:cSld>
+  <p:clrMapOvr>
+    <a:masterClrMapping/>
+  </p:clrMapOvr>
+</p:sld>
+</file>
+
+<file path=ppt/slides/slide22.xml><?xml version="1.0" encoding="utf-8"?>
+<p:sld xmlns:a="http://schemas.openxmlformats.org/drawingml/2006/main" xmlns:r="http://schemas.openxmlformats.org/officeDocument/2006/relationships" xmlns:p="http://schemas.openxmlformats.org/presentationml/2006/main">
+  <p:cSld>
+    <p:spTree>
+      <p:nvGrpSpPr>
+        <p:cNvPr id="1" name=""/>
+        <p:cNvGrpSpPr/>
+        <p:nvPr/>
+      </p:nvGrpSpPr>
+      <p:grpSpPr>
+        <a:xfrm>
+          <a:off x="0" y="0"/>
+          <a:ext cx="0" cy="0"/>
+          <a:chOff x="0" y="0"/>
+          <a:chExt cx="0" cy="0"/>
+        </a:xfrm>
+      </p:grpSpPr>
+      <p:sp>
+        <p:nvSpPr>
+          <p:cNvPr id="4" name="Segnaposto numero diapositiva 3">
+            <a:extLst>
+              <a:ext uri="{FF2B5EF4-FFF2-40B4-BE49-F238E27FC236}">
+                <a16:creationId xmlns:a16="http://schemas.microsoft.com/office/drawing/2014/main" id="{91E057A0-BAB1-4D57-BDBD-F8F3DE02BEE1}"/>
+              </a:ext>
+            </a:extLst>
+          </p:cNvPr>
+          <p:cNvSpPr>
+            <a:spLocks noGrp="1"/>
+          </p:cNvSpPr>
+          <p:nvPr>
+            <p:ph type="sldNum" sz="quarter" idx="12"/>
+          </p:nvPr>
+        </p:nvSpPr>
+        <p:spPr/>
+        <p:txBody>
+          <a:bodyPr/>
+          <a:lstStyle/>
+          <a:p>
+            <a:fld id="{AFB85319-5DF8-4B17-9881-6D5B2C7AB305}" type="slidenum">
+              <a:rPr lang="it-IT" smtClean="0"/>
+              <a:t>22</a:t>
+            </a:fld>
+            <a:endParaRPr lang="it-IT"/>
+          </a:p>
+        </p:txBody>
+      </p:sp>
+      <p:pic>
+        <p:nvPicPr>
+          <p:cNvPr id="6" name="Immagine 5">
+            <a:extLst>
+              <a:ext uri="{FF2B5EF4-FFF2-40B4-BE49-F238E27FC236}">
+                <a16:creationId xmlns:a16="http://schemas.microsoft.com/office/drawing/2014/main" id="{64DD2710-C925-4AEB-B772-6D532D848EB4}"/>
+              </a:ext>
+            </a:extLst>
+          </p:cNvPr>
+          <p:cNvPicPr>
+            <a:picLocks noChangeAspect="1"/>
+          </p:cNvPicPr>
+          <p:nvPr/>
+        </p:nvPicPr>
+        <p:blipFill rotWithShape="1">
+          <a:blip r:embed="rId2"/>
+          <a:srcRect l="5289" t="10969" r="1423" b="12551"/>
+          <a:stretch/>
+        </p:blipFill>
+        <p:spPr>
+          <a:xfrm>
+            <a:off x="1066800" y="136525"/>
+            <a:ext cx="10058400" cy="1295266"/>
+          </a:xfrm>
+          <a:prstGeom prst="rect">
+            <a:avLst/>
+          </a:prstGeom>
+        </p:spPr>
+      </p:pic>
+      <p:sp>
+        <p:nvSpPr>
+          <p:cNvPr id="8" name="CasellaDiTesto 7">
+            <a:extLst>
+              <a:ext uri="{FF2B5EF4-FFF2-40B4-BE49-F238E27FC236}">
+                <a16:creationId xmlns:a16="http://schemas.microsoft.com/office/drawing/2014/main" id="{3E0E40B7-DD25-4779-A260-DCF2A62C4B41}"/>
+              </a:ext>
+            </a:extLst>
+          </p:cNvPr>
+          <p:cNvSpPr txBox="1"/>
+          <p:nvPr/>
+        </p:nvSpPr>
+        <p:spPr>
+          <a:xfrm>
+            <a:off x="2413592" y="677393"/>
+            <a:ext cx="5134419" cy="584775"/>
+          </a:xfrm>
+          <a:prstGeom prst="rect">
+            <a:avLst/>
+          </a:prstGeom>
+          <a:noFill/>
+        </p:spPr>
+        <p:txBody>
+          <a:bodyPr wrap="none" rtlCol="0">
+            <a:spAutoFit/>
+          </a:bodyPr>
+          <a:lstStyle>
+            <a:defPPr>
+              <a:defRPr lang="it-IT"/>
+            </a:defPPr>
+            <a:lvl1pPr>
+              <a:defRPr sz="4800">
+                <a:ln w="0"/>
+                <a:solidFill>
+                  <a:srgbClr val="002060"/>
+                </a:solidFill>
+                <a:effectLst>
+                  <a:outerShdw blurRad="38100" dist="25400" dir="5400000" algn="ctr" rotWithShape="0">
+                    <a:srgbClr val="6E747A">
+                      <a:alpha val="43000"/>
+                    </a:srgbClr>
+                  </a:outerShdw>
+                </a:effectLst>
+              </a:defRPr>
+            </a:lvl1pPr>
+          </a:lstStyle>
+          <a:p>
+            <a:r>
+              <a:rPr lang="en-US" sz="3200" i="1" dirty="0"/>
+              <a:t>Intercepting Validator Pattern</a:t>
+            </a:r>
+            <a:endParaRPr lang="it-IT" sz="3200" i="1" dirty="0"/>
+          </a:p>
+        </p:txBody>
+      </p:sp>
+      <p:pic>
+        <p:nvPicPr>
+          <p:cNvPr id="9" name="Picture 2" descr="Università degli Studi di Milano-Bicocca - Wikipedia">
+            <a:extLst>
+              <a:ext uri="{FF2B5EF4-FFF2-40B4-BE49-F238E27FC236}">
+                <a16:creationId xmlns:a16="http://schemas.microsoft.com/office/drawing/2014/main" id="{9D1896BC-6EF3-43D9-B8A2-217137CA9550}"/>
+              </a:ext>
+            </a:extLst>
+          </p:cNvPr>
+          <p:cNvPicPr>
+            <a:picLocks noChangeAspect="1" noChangeArrowheads="1"/>
+          </p:cNvPicPr>
+          <p:nvPr/>
+        </p:nvPicPr>
+        <p:blipFill>
+          <a:blip r:embed="rId3">
+            <a:extLst>
+              <a:ext uri="{28A0092B-C50C-407E-A947-70E740481C1C}">
+                <a14:useLocalDpi xmlns:a14="http://schemas.microsoft.com/office/drawing/2010/main" val="0"/>
+              </a:ext>
+            </a:extLst>
+          </a:blip>
+          <a:srcRect/>
+          <a:stretch>
+            <a:fillRect/>
+          </a:stretch>
+        </p:blipFill>
+        <p:spPr bwMode="auto">
+          <a:xfrm>
+            <a:off x="1066800" y="160156"/>
+            <a:ext cx="1346792" cy="1331078"/>
+          </a:xfrm>
+          <a:prstGeom prst="rect">
+            <a:avLst/>
+          </a:prstGeom>
+          <a:noFill/>
+          <a:extLst>
+            <a:ext uri="{909E8E84-426E-40DD-AFC4-6F175D3DCCD1}">
+              <a14:hiddenFill xmlns:a14="http://schemas.microsoft.com/office/drawing/2010/main">
+                <a:solidFill>
+                  <a:srgbClr val="FFFFFF"/>
+                </a:solidFill>
+              </a14:hiddenFill>
+            </a:ext>
+          </a:extLst>
+        </p:spPr>
+      </p:pic>
+      <p:sp>
+        <p:nvSpPr>
+          <p:cNvPr id="2" name="CasellaDiTesto 11">
+            <a:extLst>
+              <a:ext uri="{FF2B5EF4-FFF2-40B4-BE49-F238E27FC236}">
+                <a16:creationId xmlns:a16="http://schemas.microsoft.com/office/drawing/2014/main" id="{57079300-6174-C255-DB2B-4A828194E74A}"/>
+              </a:ext>
+            </a:extLst>
+          </p:cNvPr>
+          <p:cNvSpPr txBox="1"/>
+          <p:nvPr/>
+        </p:nvSpPr>
+        <p:spPr>
+          <a:xfrm>
+            <a:off x="1066799" y="1972659"/>
+            <a:ext cx="10058399" cy="3785652"/>
+          </a:xfrm>
+          <a:prstGeom prst="rect">
+            <a:avLst/>
+          </a:prstGeom>
+          <a:noFill/>
+        </p:spPr>
+        <p:txBody>
+          <a:bodyPr wrap="square" rtlCol="0">
+            <a:spAutoFit/>
+          </a:bodyPr>
+          <a:lstStyle/>
+          <a:p>
+            <a:r>
+              <a:rPr lang="en-US" sz="2400" i="1" dirty="0">
+                <a:ln w="0"/>
+                <a:solidFill>
+                  <a:srgbClr val="002060"/>
+                </a:solidFill>
+                <a:effectLst>
+                  <a:outerShdw blurRad="38100" dist="25400" dir="5400000" algn="ctr" rotWithShape="0">
+                    <a:srgbClr val="6E747A">
+                      <a:alpha val="43000"/>
+                    </a:srgbClr>
+                  </a:outerShdw>
+                </a:effectLst>
+              </a:rPr>
+              <a:t>This pattern inserts a software element—a wrapper—between the source and the destination of messages. </a:t>
+            </a:r>
+            <a:br>
+              <a:rPr lang="en-US" sz="2400" i="1" dirty="0">
+                <a:ln w="0"/>
+                <a:solidFill>
+                  <a:srgbClr val="002060"/>
+                </a:solidFill>
+                <a:effectLst>
+                  <a:outerShdw blurRad="38100" dist="25400" dir="5400000" algn="ctr" rotWithShape="0">
+                    <a:srgbClr val="6E747A">
+                      <a:alpha val="43000"/>
+                    </a:srgbClr>
+                  </a:outerShdw>
+                </a:effectLst>
+              </a:rPr>
+            </a:br>
+            <a:br>
+              <a:rPr lang="en-US" sz="2400" i="1" dirty="0">
+                <a:ln w="0"/>
+                <a:solidFill>
+                  <a:srgbClr val="002060"/>
+                </a:solidFill>
+                <a:effectLst>
+                  <a:outerShdw blurRad="38100" dist="25400" dir="5400000" algn="ctr" rotWithShape="0">
+                    <a:srgbClr val="6E747A">
+                      <a:alpha val="43000"/>
+                    </a:srgbClr>
+                  </a:outerShdw>
+                </a:effectLst>
+              </a:rPr>
+            </a:br>
+            <a:r>
+              <a:rPr lang="en-US" sz="2400" i="1" dirty="0">
+                <a:ln w="0"/>
+                <a:solidFill>
+                  <a:srgbClr val="002060"/>
+                </a:solidFill>
+                <a:effectLst>
+                  <a:outerShdw blurRad="38100" dist="25400" dir="5400000" algn="ctr" rotWithShape="0">
+                    <a:srgbClr val="6E747A">
+                      <a:alpha val="43000"/>
+                    </a:srgbClr>
+                  </a:outerShdw>
+                </a:effectLst>
+              </a:rPr>
+              <a:t>The most common responsibility of this pattern is to implement the verify message integrity tactic.</a:t>
+            </a:r>
+            <a:br>
+              <a:rPr lang="en-US" sz="2400" i="1" dirty="0">
+                <a:ln w="0"/>
+                <a:solidFill>
+                  <a:srgbClr val="002060"/>
+                </a:solidFill>
+                <a:effectLst>
+                  <a:outerShdw blurRad="38100" dist="25400" dir="5400000" algn="ctr" rotWithShape="0">
+                    <a:srgbClr val="6E747A">
+                      <a:alpha val="43000"/>
+                    </a:srgbClr>
+                  </a:outerShdw>
+                </a:effectLst>
+              </a:rPr>
+            </a:br>
+            <a:br>
+              <a:rPr lang="en-US" sz="2400" i="1" dirty="0">
+                <a:ln w="0"/>
+                <a:solidFill>
+                  <a:srgbClr val="002060"/>
+                </a:solidFill>
+                <a:effectLst>
+                  <a:outerShdw blurRad="38100" dist="25400" dir="5400000" algn="ctr" rotWithShape="0">
+                    <a:srgbClr val="6E747A">
+                      <a:alpha val="43000"/>
+                    </a:srgbClr>
+                  </a:outerShdw>
+                </a:effectLst>
+              </a:rPr>
+            </a:br>
+            <a:r>
+              <a:rPr lang="en-US" sz="2400" i="1" dirty="0">
+                <a:ln w="0"/>
+                <a:solidFill>
+                  <a:srgbClr val="002060"/>
+                </a:solidFill>
+                <a:effectLst>
+                  <a:outerShdw blurRad="38100" dist="25400" dir="5400000" algn="ctr" rotWithShape="0">
+                    <a:srgbClr val="6E747A">
+                      <a:alpha val="43000"/>
+                    </a:srgbClr>
+                  </a:outerShdw>
+                </a:effectLst>
+              </a:rPr>
+              <a:t>Also, can incorporate tactics such as:</a:t>
+            </a:r>
+          </a:p>
+          <a:p>
+            <a:pPr marL="342900" indent="-342900">
+              <a:buFont typeface="Arial" panose="020B0604020202020204" pitchFamily="34" charset="0"/>
+              <a:buChar char="•"/>
+            </a:pPr>
+            <a:r>
+              <a:rPr lang="en-US" sz="2400" i="1" dirty="0">
+                <a:ln w="0"/>
+                <a:solidFill>
+                  <a:srgbClr val="002060"/>
+                </a:solidFill>
+                <a:effectLst>
+                  <a:outerShdw blurRad="38100" dist="25400" dir="5400000" algn="ctr" rotWithShape="0">
+                    <a:srgbClr val="6E747A">
+                      <a:alpha val="43000"/>
+                    </a:srgbClr>
+                  </a:outerShdw>
+                </a:effectLst>
+              </a:rPr>
+              <a:t>detect intrusion.</a:t>
+            </a:r>
+          </a:p>
+          <a:p>
+            <a:pPr marL="342900" indent="-342900">
+              <a:buFont typeface="Arial" panose="020B0604020202020204" pitchFamily="34" charset="0"/>
+              <a:buChar char="•"/>
+            </a:pPr>
+            <a:r>
+              <a:rPr lang="en-US" sz="2400" i="1" dirty="0">
+                <a:ln w="0"/>
+                <a:solidFill>
+                  <a:srgbClr val="002060"/>
+                </a:solidFill>
+                <a:effectLst>
+                  <a:outerShdw blurRad="38100" dist="25400" dir="5400000" algn="ctr" rotWithShape="0">
+                    <a:srgbClr val="6E747A">
+                      <a:alpha val="43000"/>
+                    </a:srgbClr>
+                  </a:outerShdw>
+                </a:effectLst>
+              </a:rPr>
+              <a:t>detect service denial (by comparing messages to known intrusion patterns). </a:t>
+            </a:r>
+          </a:p>
+          <a:p>
+            <a:pPr marL="342900" indent="-342900">
+              <a:buFont typeface="Arial" panose="020B0604020202020204" pitchFamily="34" charset="0"/>
+              <a:buChar char="•"/>
+            </a:pPr>
+            <a:r>
+              <a:rPr lang="en-US" sz="2400" i="1" dirty="0">
+                <a:ln w="0"/>
+                <a:solidFill>
+                  <a:srgbClr val="002060"/>
+                </a:solidFill>
+                <a:effectLst>
+                  <a:outerShdw blurRad="38100" dist="25400" dir="5400000" algn="ctr" rotWithShape="0">
+                    <a:srgbClr val="6E747A">
+                      <a:alpha val="43000"/>
+                    </a:srgbClr>
+                  </a:outerShdw>
+                </a:effectLst>
+              </a:rPr>
+              <a:t>detect message delivery anomalies.</a:t>
+            </a:r>
+          </a:p>
+        </p:txBody>
+      </p:sp>
+    </p:spTree>
+    <p:extLst>
+      <p:ext uri="{BB962C8B-B14F-4D97-AF65-F5344CB8AC3E}">
+        <p14:creationId xmlns:p14="http://schemas.microsoft.com/office/powerpoint/2010/main" val="1233508031"/>
+      </p:ext>
+    </p:extLst>
+  </p:cSld>
+  <p:clrMapOvr>
+    <a:masterClrMapping/>
+  </p:clrMapOvr>
+</p:sld>
+</file>
+
+<file path=ppt/slides/slide23.xml><?xml version="1.0" encoding="utf-8"?>
+<p:sld xmlns:a="http://schemas.openxmlformats.org/drawingml/2006/main" xmlns:r="http://schemas.openxmlformats.org/officeDocument/2006/relationships" xmlns:p="http://schemas.openxmlformats.org/presentationml/2006/main">
+  <p:cSld>
+    <p:spTree>
+      <p:nvGrpSpPr>
+        <p:cNvPr id="1" name=""/>
+        <p:cNvGrpSpPr/>
+        <p:nvPr/>
+      </p:nvGrpSpPr>
+      <p:grpSpPr>
+        <a:xfrm>
+          <a:off x="0" y="0"/>
+          <a:ext cx="0" cy="0"/>
+          <a:chOff x="0" y="0"/>
+          <a:chExt cx="0" cy="0"/>
+        </a:xfrm>
+      </p:grpSpPr>
+      <p:sp>
+        <p:nvSpPr>
+          <p:cNvPr id="4" name="Segnaposto numero diapositiva 3">
+            <a:extLst>
+              <a:ext uri="{FF2B5EF4-FFF2-40B4-BE49-F238E27FC236}">
+                <a16:creationId xmlns:a16="http://schemas.microsoft.com/office/drawing/2014/main" id="{91E057A0-BAB1-4D57-BDBD-F8F3DE02BEE1}"/>
+              </a:ext>
+            </a:extLst>
+          </p:cNvPr>
+          <p:cNvSpPr>
+            <a:spLocks noGrp="1"/>
+          </p:cNvSpPr>
+          <p:nvPr>
+            <p:ph type="sldNum" sz="quarter" idx="12"/>
+          </p:nvPr>
+        </p:nvSpPr>
+        <p:spPr/>
+        <p:txBody>
+          <a:bodyPr/>
+          <a:lstStyle/>
+          <a:p>
+            <a:fld id="{AFB85319-5DF8-4B17-9881-6D5B2C7AB305}" type="slidenum">
+              <a:rPr lang="it-IT" smtClean="0"/>
+              <a:t>23</a:t>
+            </a:fld>
+            <a:endParaRPr lang="it-IT"/>
+          </a:p>
+        </p:txBody>
+      </p:sp>
+      <p:pic>
+        <p:nvPicPr>
+          <p:cNvPr id="6" name="Immagine 5">
+            <a:extLst>
+              <a:ext uri="{FF2B5EF4-FFF2-40B4-BE49-F238E27FC236}">
+                <a16:creationId xmlns:a16="http://schemas.microsoft.com/office/drawing/2014/main" id="{64DD2710-C925-4AEB-B772-6D532D848EB4}"/>
+              </a:ext>
+            </a:extLst>
+          </p:cNvPr>
+          <p:cNvPicPr>
+            <a:picLocks noChangeAspect="1"/>
+          </p:cNvPicPr>
+          <p:nvPr/>
+        </p:nvPicPr>
+        <p:blipFill rotWithShape="1">
+          <a:blip r:embed="rId2"/>
+          <a:srcRect l="5289" t="10969" r="1423" b="12551"/>
+          <a:stretch/>
+        </p:blipFill>
+        <p:spPr>
+          <a:xfrm>
+            <a:off x="1066800" y="136525"/>
+            <a:ext cx="10058400" cy="1295266"/>
+          </a:xfrm>
+          <a:prstGeom prst="rect">
+            <a:avLst/>
+          </a:prstGeom>
+        </p:spPr>
+      </p:pic>
+      <p:sp>
+        <p:nvSpPr>
+          <p:cNvPr id="8" name="CasellaDiTesto 7">
+            <a:extLst>
+              <a:ext uri="{FF2B5EF4-FFF2-40B4-BE49-F238E27FC236}">
+                <a16:creationId xmlns:a16="http://schemas.microsoft.com/office/drawing/2014/main" id="{3E0E40B7-DD25-4779-A260-DCF2A62C4B41}"/>
+              </a:ext>
+            </a:extLst>
+          </p:cNvPr>
+          <p:cNvSpPr txBox="1"/>
+          <p:nvPr/>
+        </p:nvSpPr>
+        <p:spPr>
+          <a:xfrm>
+            <a:off x="2413592" y="677393"/>
+            <a:ext cx="5134419" cy="584775"/>
+          </a:xfrm>
+          <a:prstGeom prst="rect">
+            <a:avLst/>
+          </a:prstGeom>
+          <a:noFill/>
+        </p:spPr>
+        <p:txBody>
+          <a:bodyPr wrap="none" rtlCol="0">
+            <a:spAutoFit/>
+          </a:bodyPr>
+          <a:lstStyle>
+            <a:defPPr>
+              <a:defRPr lang="it-IT"/>
+            </a:defPPr>
+            <a:lvl1pPr>
+              <a:defRPr sz="4800">
+                <a:ln w="0"/>
+                <a:solidFill>
+                  <a:srgbClr val="002060"/>
+                </a:solidFill>
+                <a:effectLst>
+                  <a:outerShdw blurRad="38100" dist="25400" dir="5400000" algn="ctr" rotWithShape="0">
+                    <a:srgbClr val="6E747A">
+                      <a:alpha val="43000"/>
+                    </a:srgbClr>
+                  </a:outerShdw>
+                </a:effectLst>
+              </a:defRPr>
+            </a:lvl1pPr>
+          </a:lstStyle>
+          <a:p>
+            <a:r>
+              <a:rPr lang="en-US" sz="3200" i="1" dirty="0"/>
+              <a:t>Intercepting Validator Pattern</a:t>
+            </a:r>
+            <a:endParaRPr lang="it-IT" sz="3200" i="1" dirty="0"/>
+          </a:p>
+        </p:txBody>
+      </p:sp>
+      <p:pic>
+        <p:nvPicPr>
+          <p:cNvPr id="9" name="Picture 2" descr="Università degli Studi di Milano-Bicocca - Wikipedia">
+            <a:extLst>
+              <a:ext uri="{FF2B5EF4-FFF2-40B4-BE49-F238E27FC236}">
+                <a16:creationId xmlns:a16="http://schemas.microsoft.com/office/drawing/2014/main" id="{9D1896BC-6EF3-43D9-B8A2-217137CA9550}"/>
+              </a:ext>
+            </a:extLst>
+          </p:cNvPr>
+          <p:cNvPicPr>
+            <a:picLocks noChangeAspect="1" noChangeArrowheads="1"/>
+          </p:cNvPicPr>
+          <p:nvPr/>
+        </p:nvPicPr>
+        <p:blipFill>
+          <a:blip r:embed="rId3">
+            <a:extLst>
+              <a:ext uri="{28A0092B-C50C-407E-A947-70E740481C1C}">
+                <a14:useLocalDpi xmlns:a14="http://schemas.microsoft.com/office/drawing/2010/main" val="0"/>
+              </a:ext>
+            </a:extLst>
+          </a:blip>
+          <a:srcRect/>
+          <a:stretch>
+            <a:fillRect/>
+          </a:stretch>
+        </p:blipFill>
+        <p:spPr bwMode="auto">
+          <a:xfrm>
+            <a:off x="1066800" y="160156"/>
+            <a:ext cx="1346792" cy="1331078"/>
+          </a:xfrm>
+          <a:prstGeom prst="rect">
+            <a:avLst/>
+          </a:prstGeom>
+          <a:noFill/>
+          <a:extLst>
+            <a:ext uri="{909E8E84-426E-40DD-AFC4-6F175D3DCCD1}">
+              <a14:hiddenFill xmlns:a14="http://schemas.microsoft.com/office/drawing/2010/main">
+                <a:solidFill>
+                  <a:srgbClr val="FFFFFF"/>
+                </a:solidFill>
+              </a14:hiddenFill>
+            </a:ext>
+          </a:extLst>
+        </p:spPr>
+      </p:pic>
+      <p:sp>
+        <p:nvSpPr>
+          <p:cNvPr id="2" name="CasellaDiTesto 11">
+            <a:extLst>
+              <a:ext uri="{FF2B5EF4-FFF2-40B4-BE49-F238E27FC236}">
+                <a16:creationId xmlns:a16="http://schemas.microsoft.com/office/drawing/2014/main" id="{57079300-6174-C255-DB2B-4A828194E74A}"/>
+              </a:ext>
+            </a:extLst>
+          </p:cNvPr>
+          <p:cNvSpPr txBox="1"/>
+          <p:nvPr/>
+        </p:nvSpPr>
+        <p:spPr>
+          <a:xfrm>
+            <a:off x="1066799" y="1972659"/>
+            <a:ext cx="10058399" cy="4154984"/>
+          </a:xfrm>
+          <a:prstGeom prst="rect">
+            <a:avLst/>
+          </a:prstGeom>
+          <a:noFill/>
+        </p:spPr>
+        <p:txBody>
+          <a:bodyPr wrap="square" rtlCol="0">
+            <a:spAutoFit/>
+          </a:bodyPr>
+          <a:lstStyle/>
+          <a:p>
+            <a:r>
+              <a:rPr lang="en-US" sz="2400" i="1" dirty="0">
+                <a:ln w="0"/>
+                <a:solidFill>
+                  <a:srgbClr val="009E47"/>
+                </a:solidFill>
+                <a:effectLst>
+                  <a:outerShdw blurRad="38100" dist="25400" dir="5400000" algn="ctr" rotWithShape="0">
+                    <a:srgbClr val="6E747A">
+                      <a:alpha val="43000"/>
+                    </a:srgbClr>
+                  </a:outerShdw>
+                </a:effectLst>
+              </a:rPr>
+              <a:t>Benefits</a:t>
+            </a:r>
+            <a:r>
+              <a:rPr lang="en-US" sz="2400" i="1" dirty="0">
+                <a:ln w="0"/>
+                <a:solidFill>
+                  <a:srgbClr val="002060"/>
+                </a:solidFill>
+                <a:effectLst>
+                  <a:outerShdw blurRad="38100" dist="25400" dir="5400000" algn="ctr" rotWithShape="0">
+                    <a:srgbClr val="6E747A">
+                      <a:alpha val="43000"/>
+                    </a:srgbClr>
+                  </a:outerShdw>
+                </a:effectLst>
+              </a:rPr>
+              <a:t>:</a:t>
+            </a:r>
+          </a:p>
+          <a:p>
+            <a:pPr marL="342900" indent="-342900">
+              <a:buFont typeface="Arial" panose="020B0604020202020204" pitchFamily="34" charset="0"/>
+              <a:buChar char="•"/>
+            </a:pPr>
+            <a:r>
+              <a:rPr lang="en-US" sz="2400" i="1" dirty="0">
+                <a:ln w="0"/>
+                <a:solidFill>
+                  <a:srgbClr val="002060"/>
+                </a:solidFill>
+                <a:effectLst>
+                  <a:outerShdw blurRad="38100" dist="25400" dir="5400000" algn="ctr" rotWithShape="0">
+                    <a:srgbClr val="6E747A">
+                      <a:alpha val="43000"/>
+                    </a:srgbClr>
+                  </a:outerShdw>
+                </a:effectLst>
+              </a:rPr>
+              <a:t>Depending on the specific validator that you can create and deploy, this pattern can cover most of the waterfront of the “detect attack” category of tactics all in one package.</a:t>
+            </a:r>
+          </a:p>
+          <a:p>
+            <a:pPr marL="342900" indent="-342900">
+              <a:buFont typeface="Arial" panose="020B0604020202020204" pitchFamily="34" charset="0"/>
+              <a:buChar char="•"/>
+            </a:pPr>
+            <a:endParaRPr lang="en-US" sz="2400" i="1" dirty="0">
+              <a:ln w="0"/>
+              <a:solidFill>
+                <a:srgbClr val="002060"/>
+              </a:solidFill>
+              <a:effectLst>
+                <a:outerShdw blurRad="38100" dist="25400" dir="5400000" algn="ctr" rotWithShape="0">
+                  <a:srgbClr val="6E747A">
+                    <a:alpha val="43000"/>
+                  </a:srgbClr>
+                </a:outerShdw>
+              </a:effectLst>
+            </a:endParaRPr>
+          </a:p>
+          <a:p>
+            <a:r>
+              <a:rPr lang="en-US" sz="2400" i="1" dirty="0">
+                <a:ln w="0"/>
+                <a:solidFill>
+                  <a:srgbClr val="FF0000"/>
+                </a:solidFill>
+                <a:effectLst>
+                  <a:outerShdw blurRad="38100" dist="25400" dir="5400000" algn="ctr" rotWithShape="0">
+                    <a:srgbClr val="6E747A">
+                      <a:alpha val="43000"/>
+                    </a:srgbClr>
+                  </a:outerShdw>
+                </a:effectLst>
+              </a:rPr>
+              <a:t>Tradeoffs</a:t>
+            </a:r>
+            <a:r>
+              <a:rPr lang="en-US" sz="2400" i="1" dirty="0">
+                <a:ln w="0"/>
+                <a:solidFill>
+                  <a:srgbClr val="002060"/>
+                </a:solidFill>
+                <a:effectLst>
+                  <a:outerShdw blurRad="38100" dist="25400" dir="5400000" algn="ctr" rotWithShape="0">
+                    <a:srgbClr val="6E747A">
+                      <a:alpha val="43000"/>
+                    </a:srgbClr>
+                  </a:outerShdw>
+                </a:effectLst>
+              </a:rPr>
+              <a:t>:</a:t>
+            </a:r>
+          </a:p>
+          <a:p>
+            <a:pPr marL="342900" indent="-342900">
+              <a:buFont typeface="Arial" panose="020B0604020202020204" pitchFamily="34" charset="0"/>
+              <a:buChar char="•"/>
+            </a:pPr>
+            <a:r>
+              <a:rPr lang="en-US" sz="2400" i="1" dirty="0">
+                <a:ln w="0"/>
+                <a:solidFill>
+                  <a:srgbClr val="002060"/>
+                </a:solidFill>
+                <a:effectLst>
+                  <a:outerShdw blurRad="38100" dist="25400" dir="5400000" algn="ctr" rotWithShape="0">
+                    <a:srgbClr val="6E747A">
+                      <a:alpha val="43000"/>
+                    </a:srgbClr>
+                  </a:outerShdw>
+                </a:effectLst>
+              </a:rPr>
+              <a:t>As always, introducing an intermediary exacts a performance price.</a:t>
+            </a:r>
+          </a:p>
+          <a:p>
+            <a:pPr marL="342900" indent="-342900">
+              <a:buFont typeface="Arial" panose="020B0604020202020204" pitchFamily="34" charset="0"/>
+              <a:buChar char="•"/>
+            </a:pPr>
+            <a:r>
+              <a:rPr lang="en-US" sz="2400" i="1" dirty="0">
+                <a:ln w="0"/>
+                <a:solidFill>
+                  <a:srgbClr val="002060"/>
+                </a:solidFill>
+                <a:effectLst>
+                  <a:outerShdw blurRad="38100" dist="25400" dir="5400000" algn="ctr" rotWithShape="0">
+                    <a:srgbClr val="6E747A">
+                      <a:alpha val="43000"/>
+                    </a:srgbClr>
+                  </a:outerShdw>
+                </a:effectLst>
+              </a:rPr>
+              <a:t>Intrusion patterns change and evolve over time, so this component must be kept up-to-date so that it maintains its effectiveness. This imposes a maintenance obligation on the organization responsible for the system.</a:t>
+            </a:r>
+          </a:p>
+          <a:p>
+            <a:endParaRPr lang="en-US" sz="2400" i="1" dirty="0">
+              <a:ln w="0"/>
+              <a:solidFill>
+                <a:srgbClr val="002060"/>
+              </a:solidFill>
+              <a:effectLst>
+                <a:outerShdw blurRad="38100" dist="25400" dir="5400000" algn="ctr" rotWithShape="0">
+                  <a:srgbClr val="6E747A">
+                    <a:alpha val="43000"/>
+                  </a:srgbClr>
+                </a:outerShdw>
+              </a:effectLst>
+            </a:endParaRPr>
+          </a:p>
+        </p:txBody>
+      </p:sp>
+    </p:spTree>
+    <p:extLst>
+      <p:ext uri="{BB962C8B-B14F-4D97-AF65-F5344CB8AC3E}">
+        <p14:creationId xmlns:p14="http://schemas.microsoft.com/office/powerpoint/2010/main" val="3474659518"/>
+      </p:ext>
+    </p:extLst>
+  </p:cSld>
+  <p:clrMapOvr>
+    <a:masterClrMapping/>
+  </p:clrMapOvr>
+</p:sld>
+</file>
+
+<file path=ppt/slides/slide24.xml><?xml version="1.0" encoding="utf-8"?>
+<p:sld xmlns:a="http://schemas.openxmlformats.org/drawingml/2006/main" xmlns:r="http://schemas.openxmlformats.org/officeDocument/2006/relationships" xmlns:p="http://schemas.openxmlformats.org/presentationml/2006/main">
+  <p:cSld>
+    <p:spTree>
+      <p:nvGrpSpPr>
+        <p:cNvPr id="1" name=""/>
+        <p:cNvGrpSpPr/>
+        <p:nvPr/>
+      </p:nvGrpSpPr>
+      <p:grpSpPr>
+        <a:xfrm>
+          <a:off x="0" y="0"/>
+          <a:ext cx="0" cy="0"/>
+          <a:chOff x="0" y="0"/>
+          <a:chExt cx="0" cy="0"/>
+        </a:xfrm>
+      </p:grpSpPr>
+      <p:sp>
+        <p:nvSpPr>
+          <p:cNvPr id="4" name="Segnaposto numero diapositiva 3">
+            <a:extLst>
+              <a:ext uri="{FF2B5EF4-FFF2-40B4-BE49-F238E27FC236}">
+                <a16:creationId xmlns:a16="http://schemas.microsoft.com/office/drawing/2014/main" id="{91E057A0-BAB1-4D57-BDBD-F8F3DE02BEE1}"/>
+              </a:ext>
+            </a:extLst>
+          </p:cNvPr>
+          <p:cNvSpPr>
+            <a:spLocks noGrp="1"/>
+          </p:cNvSpPr>
+          <p:nvPr>
+            <p:ph type="sldNum" sz="quarter" idx="12"/>
+          </p:nvPr>
+        </p:nvSpPr>
+        <p:spPr/>
+        <p:txBody>
+          <a:bodyPr/>
+          <a:lstStyle/>
+          <a:p>
+            <a:fld id="{AFB85319-5DF8-4B17-9881-6D5B2C7AB305}" type="slidenum">
+              <a:rPr lang="it-IT" smtClean="0"/>
+              <a:t>24</a:t>
+            </a:fld>
+            <a:endParaRPr lang="it-IT"/>
+          </a:p>
+        </p:txBody>
+      </p:sp>
+      <p:pic>
+        <p:nvPicPr>
+          <p:cNvPr id="6" name="Immagine 5">
+            <a:extLst>
+              <a:ext uri="{FF2B5EF4-FFF2-40B4-BE49-F238E27FC236}">
+                <a16:creationId xmlns:a16="http://schemas.microsoft.com/office/drawing/2014/main" id="{64DD2710-C925-4AEB-B772-6D532D848EB4}"/>
+              </a:ext>
+            </a:extLst>
+          </p:cNvPr>
+          <p:cNvPicPr>
+            <a:picLocks noChangeAspect="1"/>
+          </p:cNvPicPr>
+          <p:nvPr/>
+        </p:nvPicPr>
+        <p:blipFill rotWithShape="1">
+          <a:blip r:embed="rId2"/>
+          <a:srcRect l="5289" t="10969" r="1423" b="12551"/>
+          <a:stretch/>
+        </p:blipFill>
+        <p:spPr>
+          <a:xfrm>
+            <a:off x="1066800" y="136525"/>
+            <a:ext cx="10058400" cy="1295266"/>
+          </a:xfrm>
+          <a:prstGeom prst="rect">
+            <a:avLst/>
+          </a:prstGeom>
+        </p:spPr>
+      </p:pic>
+      <p:sp>
+        <p:nvSpPr>
+          <p:cNvPr id="8" name="CasellaDiTesto 7">
+            <a:extLst>
+              <a:ext uri="{FF2B5EF4-FFF2-40B4-BE49-F238E27FC236}">
+                <a16:creationId xmlns:a16="http://schemas.microsoft.com/office/drawing/2014/main" id="{3E0E40B7-DD25-4779-A260-DCF2A62C4B41}"/>
+              </a:ext>
+            </a:extLst>
+          </p:cNvPr>
+          <p:cNvSpPr txBox="1"/>
+          <p:nvPr/>
+        </p:nvSpPr>
+        <p:spPr>
+          <a:xfrm>
+            <a:off x="2413592" y="677393"/>
+            <a:ext cx="6135077" cy="584775"/>
+          </a:xfrm>
+          <a:prstGeom prst="rect">
+            <a:avLst/>
+          </a:prstGeom>
+          <a:noFill/>
+        </p:spPr>
+        <p:txBody>
+          <a:bodyPr wrap="none" rtlCol="0">
+            <a:spAutoFit/>
+          </a:bodyPr>
+          <a:lstStyle>
+            <a:defPPr>
+              <a:defRPr lang="it-IT"/>
+            </a:defPPr>
+            <a:lvl1pPr>
+              <a:defRPr sz="4800">
+                <a:ln w="0"/>
+                <a:solidFill>
+                  <a:srgbClr val="002060"/>
+                </a:solidFill>
+                <a:effectLst>
+                  <a:outerShdw blurRad="38100" dist="25400" dir="5400000" algn="ctr" rotWithShape="0">
+                    <a:srgbClr val="6E747A">
+                      <a:alpha val="43000"/>
+                    </a:srgbClr>
+                  </a:outerShdw>
+                </a:effectLst>
+              </a:defRPr>
+            </a:lvl1pPr>
+          </a:lstStyle>
+          <a:p>
+            <a:r>
+              <a:rPr lang="en-US" sz="3200" i="1" dirty="0"/>
+              <a:t>Intrusion Prevention System Pattern</a:t>
+            </a:r>
+            <a:endParaRPr lang="it-IT" sz="3200" i="1" dirty="0"/>
+          </a:p>
+        </p:txBody>
+      </p:sp>
+      <p:pic>
+        <p:nvPicPr>
+          <p:cNvPr id="9" name="Picture 2" descr="Università degli Studi di Milano-Bicocca - Wikipedia">
+            <a:extLst>
+              <a:ext uri="{FF2B5EF4-FFF2-40B4-BE49-F238E27FC236}">
+                <a16:creationId xmlns:a16="http://schemas.microsoft.com/office/drawing/2014/main" id="{9D1896BC-6EF3-43D9-B8A2-217137CA9550}"/>
+              </a:ext>
+            </a:extLst>
+          </p:cNvPr>
+          <p:cNvPicPr>
+            <a:picLocks noChangeAspect="1" noChangeArrowheads="1"/>
+          </p:cNvPicPr>
+          <p:nvPr/>
+        </p:nvPicPr>
+        <p:blipFill>
+          <a:blip r:embed="rId3">
+            <a:extLst>
+              <a:ext uri="{28A0092B-C50C-407E-A947-70E740481C1C}">
+                <a14:useLocalDpi xmlns:a14="http://schemas.microsoft.com/office/drawing/2010/main" val="0"/>
+              </a:ext>
+            </a:extLst>
+          </a:blip>
+          <a:srcRect/>
+          <a:stretch>
+            <a:fillRect/>
+          </a:stretch>
+        </p:blipFill>
+        <p:spPr bwMode="auto">
+          <a:xfrm>
+            <a:off x="1066800" y="160156"/>
+            <a:ext cx="1346792" cy="1331078"/>
+          </a:xfrm>
+          <a:prstGeom prst="rect">
+            <a:avLst/>
+          </a:prstGeom>
+          <a:noFill/>
+          <a:extLst>
+            <a:ext uri="{909E8E84-426E-40DD-AFC4-6F175D3DCCD1}">
+              <a14:hiddenFill xmlns:a14="http://schemas.microsoft.com/office/drawing/2010/main">
+                <a:solidFill>
+                  <a:srgbClr val="FFFFFF"/>
+                </a:solidFill>
+              </a14:hiddenFill>
+            </a:ext>
+          </a:extLst>
+        </p:spPr>
+      </p:pic>
+      <p:sp>
+        <p:nvSpPr>
+          <p:cNvPr id="2" name="CasellaDiTesto 11">
+            <a:extLst>
+              <a:ext uri="{FF2B5EF4-FFF2-40B4-BE49-F238E27FC236}">
+                <a16:creationId xmlns:a16="http://schemas.microsoft.com/office/drawing/2014/main" id="{95C0BD3D-D193-773E-5AB9-53E9B933C6E6}"/>
+              </a:ext>
+            </a:extLst>
+          </p:cNvPr>
+          <p:cNvSpPr txBox="1"/>
+          <p:nvPr/>
+        </p:nvSpPr>
+        <p:spPr>
+          <a:xfrm>
+            <a:off x="1066799" y="1972659"/>
+            <a:ext cx="10058399" cy="3416320"/>
+          </a:xfrm>
+          <a:prstGeom prst="rect">
+            <a:avLst/>
+          </a:prstGeom>
+          <a:noFill/>
+        </p:spPr>
+        <p:txBody>
+          <a:bodyPr wrap="square" rtlCol="0">
+            <a:spAutoFit/>
+          </a:bodyPr>
+          <a:lstStyle/>
+          <a:p>
+            <a:r>
+              <a:rPr lang="en-US" sz="2400" i="1" dirty="0">
+                <a:ln w="0"/>
+                <a:solidFill>
+                  <a:srgbClr val="002060"/>
+                </a:solidFill>
+                <a:effectLst>
+                  <a:outerShdw blurRad="38100" dist="25400" dir="5400000" algn="ctr" rotWithShape="0">
+                    <a:srgbClr val="6E747A">
+                      <a:alpha val="43000"/>
+                    </a:srgbClr>
+                  </a:outerShdw>
+                </a:effectLst>
+              </a:rPr>
+              <a:t>An intrusion prevention system (IPS) is a standalone element whose main</a:t>
+            </a:r>
+          </a:p>
+          <a:p>
+            <a:r>
+              <a:rPr lang="en-US" sz="2400" i="1" dirty="0">
+                <a:ln w="0"/>
+                <a:solidFill>
+                  <a:srgbClr val="002060"/>
+                </a:solidFill>
+                <a:effectLst>
+                  <a:outerShdw blurRad="38100" dist="25400" dir="5400000" algn="ctr" rotWithShape="0">
+                    <a:srgbClr val="6E747A">
+                      <a:alpha val="43000"/>
+                    </a:srgbClr>
+                  </a:outerShdw>
+                </a:effectLst>
+              </a:rPr>
+              <a:t>purpose is to identify and analyze any suspicious activity. </a:t>
+            </a:r>
+            <a:br>
+              <a:rPr lang="en-US" sz="2400" i="1" dirty="0">
+                <a:ln w="0"/>
+                <a:solidFill>
+                  <a:srgbClr val="002060"/>
+                </a:solidFill>
+                <a:effectLst>
+                  <a:outerShdw blurRad="38100" dist="25400" dir="5400000" algn="ctr" rotWithShape="0">
+                    <a:srgbClr val="6E747A">
+                      <a:alpha val="43000"/>
+                    </a:srgbClr>
+                  </a:outerShdw>
+                </a:effectLst>
+              </a:rPr>
+            </a:br>
+            <a:br>
+              <a:rPr lang="en-US" sz="2400" i="1" dirty="0">
+                <a:ln w="0"/>
+                <a:solidFill>
+                  <a:srgbClr val="002060"/>
+                </a:solidFill>
+                <a:effectLst>
+                  <a:outerShdw blurRad="38100" dist="25400" dir="5400000" algn="ctr" rotWithShape="0">
+                    <a:srgbClr val="6E747A">
+                      <a:alpha val="43000"/>
+                    </a:srgbClr>
+                  </a:outerShdw>
+                </a:effectLst>
+              </a:rPr>
+            </a:br>
+            <a:r>
+              <a:rPr lang="en-US" sz="2400" i="1" dirty="0">
+                <a:ln w="0"/>
+                <a:solidFill>
+                  <a:srgbClr val="002060"/>
+                </a:solidFill>
+                <a:effectLst>
+                  <a:outerShdw blurRad="38100" dist="25400" dir="5400000" algn="ctr" rotWithShape="0">
+                    <a:srgbClr val="6E747A">
+                      <a:alpha val="43000"/>
+                    </a:srgbClr>
+                  </a:outerShdw>
+                </a:effectLst>
+              </a:rPr>
+              <a:t>If the activity is deemed acceptable, it is allowed. Conversely, if it is suspicious, the activity is prevented and reported. </a:t>
+            </a:r>
+          </a:p>
+          <a:p>
+            <a:endParaRPr lang="en-US" sz="2400" i="1" dirty="0">
+              <a:ln w="0"/>
+              <a:solidFill>
+                <a:srgbClr val="002060"/>
+              </a:solidFill>
+              <a:effectLst>
+                <a:outerShdw blurRad="38100" dist="25400" dir="5400000" algn="ctr" rotWithShape="0">
+                  <a:srgbClr val="6E747A">
+                    <a:alpha val="43000"/>
+                  </a:srgbClr>
+                </a:outerShdw>
+              </a:effectLst>
+            </a:endParaRPr>
+          </a:p>
+          <a:p>
+            <a:r>
+              <a:rPr lang="en-US" sz="2400" i="1" dirty="0">
+                <a:ln w="0"/>
+                <a:solidFill>
+                  <a:srgbClr val="002060"/>
+                </a:solidFill>
+                <a:effectLst>
+                  <a:outerShdw blurRad="38100" dist="25400" dir="5400000" algn="ctr" rotWithShape="0">
+                    <a:srgbClr val="6E747A">
+                      <a:alpha val="43000"/>
+                    </a:srgbClr>
+                  </a:outerShdw>
+                </a:effectLst>
+              </a:rPr>
+              <a:t>These systems look for suspicious patterns of overall usage, not just anomalous messages</a:t>
+            </a:r>
+          </a:p>
+          <a:p>
+            <a:endParaRPr lang="en-US" sz="2400" i="1" dirty="0">
+              <a:ln w="0"/>
+              <a:solidFill>
+                <a:srgbClr val="002060"/>
+              </a:solidFill>
+              <a:effectLst>
+                <a:outerShdw blurRad="38100" dist="25400" dir="5400000" algn="ctr" rotWithShape="0">
+                  <a:srgbClr val="6E747A">
+                    <a:alpha val="43000"/>
+                  </a:srgbClr>
+                </a:outerShdw>
+              </a:effectLst>
+            </a:endParaRPr>
+          </a:p>
+        </p:txBody>
+      </p:sp>
+    </p:spTree>
+    <p:extLst>
+      <p:ext uri="{BB962C8B-B14F-4D97-AF65-F5344CB8AC3E}">
+        <p14:creationId xmlns:p14="http://schemas.microsoft.com/office/powerpoint/2010/main" val="4059939263"/>
+      </p:ext>
+    </p:extLst>
+  </p:cSld>
+  <p:clrMapOvr>
+    <a:masterClrMapping/>
+  </p:clrMapOvr>
+</p:sld>
+</file>
+
+<file path=ppt/slides/slide25.xml><?xml version="1.0" encoding="utf-8"?>
+<p:sld xmlns:a="http://schemas.openxmlformats.org/drawingml/2006/main" xmlns:r="http://schemas.openxmlformats.org/officeDocument/2006/relationships" xmlns:p="http://schemas.openxmlformats.org/presentationml/2006/main">
+  <p:cSld>
+    <p:spTree>
+      <p:nvGrpSpPr>
+        <p:cNvPr id="1" name=""/>
+        <p:cNvGrpSpPr/>
+        <p:nvPr/>
+      </p:nvGrpSpPr>
+      <p:grpSpPr>
+        <a:xfrm>
+          <a:off x="0" y="0"/>
+          <a:ext cx="0" cy="0"/>
+          <a:chOff x="0" y="0"/>
+          <a:chExt cx="0" cy="0"/>
+        </a:xfrm>
+      </p:grpSpPr>
+      <p:sp>
+        <p:nvSpPr>
+          <p:cNvPr id="4" name="Segnaposto numero diapositiva 3">
+            <a:extLst>
+              <a:ext uri="{FF2B5EF4-FFF2-40B4-BE49-F238E27FC236}">
+                <a16:creationId xmlns:a16="http://schemas.microsoft.com/office/drawing/2014/main" id="{91E057A0-BAB1-4D57-BDBD-F8F3DE02BEE1}"/>
+              </a:ext>
+            </a:extLst>
+          </p:cNvPr>
+          <p:cNvSpPr>
+            <a:spLocks noGrp="1"/>
+          </p:cNvSpPr>
+          <p:nvPr>
+            <p:ph type="sldNum" sz="quarter" idx="12"/>
+          </p:nvPr>
+        </p:nvSpPr>
+        <p:spPr/>
+        <p:txBody>
+          <a:bodyPr/>
+          <a:lstStyle/>
+          <a:p>
+            <a:fld id="{AFB85319-5DF8-4B17-9881-6D5B2C7AB305}" type="slidenum">
+              <a:rPr lang="it-IT" smtClean="0"/>
+              <a:t>25</a:t>
+            </a:fld>
+            <a:endParaRPr lang="it-IT"/>
+          </a:p>
+        </p:txBody>
+      </p:sp>
+      <p:pic>
+        <p:nvPicPr>
+          <p:cNvPr id="6" name="Immagine 5">
+            <a:extLst>
+              <a:ext uri="{FF2B5EF4-FFF2-40B4-BE49-F238E27FC236}">
+                <a16:creationId xmlns:a16="http://schemas.microsoft.com/office/drawing/2014/main" id="{64DD2710-C925-4AEB-B772-6D532D848EB4}"/>
+              </a:ext>
+            </a:extLst>
+          </p:cNvPr>
+          <p:cNvPicPr>
+            <a:picLocks noChangeAspect="1"/>
+          </p:cNvPicPr>
+          <p:nvPr/>
+        </p:nvPicPr>
+        <p:blipFill rotWithShape="1">
+          <a:blip r:embed="rId2"/>
+          <a:srcRect l="5289" t="10969" r="1423" b="12551"/>
+          <a:stretch/>
+        </p:blipFill>
+        <p:spPr>
+          <a:xfrm>
+            <a:off x="1066800" y="136525"/>
+            <a:ext cx="10058400" cy="1295266"/>
+          </a:xfrm>
+          <a:prstGeom prst="rect">
+            <a:avLst/>
+          </a:prstGeom>
+        </p:spPr>
+      </p:pic>
+      <p:sp>
+        <p:nvSpPr>
+          <p:cNvPr id="8" name="CasellaDiTesto 7">
+            <a:extLst>
+              <a:ext uri="{FF2B5EF4-FFF2-40B4-BE49-F238E27FC236}">
+                <a16:creationId xmlns:a16="http://schemas.microsoft.com/office/drawing/2014/main" id="{3E0E40B7-DD25-4779-A260-DCF2A62C4B41}"/>
+              </a:ext>
+            </a:extLst>
+          </p:cNvPr>
+          <p:cNvSpPr txBox="1"/>
+          <p:nvPr/>
+        </p:nvSpPr>
+        <p:spPr>
+          <a:xfrm>
+            <a:off x="2413592" y="677393"/>
+            <a:ext cx="6135077" cy="584775"/>
+          </a:xfrm>
+          <a:prstGeom prst="rect">
+            <a:avLst/>
+          </a:prstGeom>
+          <a:noFill/>
+        </p:spPr>
+        <p:txBody>
+          <a:bodyPr wrap="none" rtlCol="0">
+            <a:spAutoFit/>
+          </a:bodyPr>
+          <a:lstStyle>
+            <a:defPPr>
+              <a:defRPr lang="it-IT"/>
+            </a:defPPr>
+            <a:lvl1pPr>
+              <a:defRPr sz="4800">
+                <a:ln w="0"/>
+                <a:solidFill>
+                  <a:srgbClr val="002060"/>
+                </a:solidFill>
+                <a:effectLst>
+                  <a:outerShdw blurRad="38100" dist="25400" dir="5400000" algn="ctr" rotWithShape="0">
+                    <a:srgbClr val="6E747A">
+                      <a:alpha val="43000"/>
+                    </a:srgbClr>
+                  </a:outerShdw>
+                </a:effectLst>
+              </a:defRPr>
+            </a:lvl1pPr>
+          </a:lstStyle>
+          <a:p>
+            <a:r>
+              <a:rPr lang="en-US" sz="3200" i="1" dirty="0"/>
+              <a:t>Intrusion Prevention System Pattern</a:t>
+            </a:r>
+            <a:endParaRPr lang="it-IT" sz="3200" i="1" dirty="0"/>
+          </a:p>
+        </p:txBody>
+      </p:sp>
+      <p:pic>
+        <p:nvPicPr>
+          <p:cNvPr id="9" name="Picture 2" descr="Università degli Studi di Milano-Bicocca - Wikipedia">
+            <a:extLst>
+              <a:ext uri="{FF2B5EF4-FFF2-40B4-BE49-F238E27FC236}">
+                <a16:creationId xmlns:a16="http://schemas.microsoft.com/office/drawing/2014/main" id="{9D1896BC-6EF3-43D9-B8A2-217137CA9550}"/>
+              </a:ext>
+            </a:extLst>
+          </p:cNvPr>
+          <p:cNvPicPr>
+            <a:picLocks noChangeAspect="1" noChangeArrowheads="1"/>
+          </p:cNvPicPr>
+          <p:nvPr/>
+        </p:nvPicPr>
+        <p:blipFill>
+          <a:blip r:embed="rId3">
+            <a:extLst>
+              <a:ext uri="{28A0092B-C50C-407E-A947-70E740481C1C}">
+                <a14:useLocalDpi xmlns:a14="http://schemas.microsoft.com/office/drawing/2010/main" val="0"/>
+              </a:ext>
+            </a:extLst>
+          </a:blip>
+          <a:srcRect/>
+          <a:stretch>
+            <a:fillRect/>
+          </a:stretch>
+        </p:blipFill>
+        <p:spPr bwMode="auto">
+          <a:xfrm>
+            <a:off x="1066800" y="160156"/>
+            <a:ext cx="1346792" cy="1331078"/>
+          </a:xfrm>
+          <a:prstGeom prst="rect">
+            <a:avLst/>
+          </a:prstGeom>
+          <a:noFill/>
+          <a:extLst>
+            <a:ext uri="{909E8E84-426E-40DD-AFC4-6F175D3DCCD1}">
+              <a14:hiddenFill xmlns:a14="http://schemas.microsoft.com/office/drawing/2010/main">
+                <a:solidFill>
+                  <a:srgbClr val="FFFFFF"/>
+                </a:solidFill>
+              </a14:hiddenFill>
+            </a:ext>
+          </a:extLst>
+        </p:spPr>
+      </p:pic>
+      <p:sp>
+        <p:nvSpPr>
+          <p:cNvPr id="2" name="CasellaDiTesto 11">
+            <a:extLst>
+              <a:ext uri="{FF2B5EF4-FFF2-40B4-BE49-F238E27FC236}">
+                <a16:creationId xmlns:a16="http://schemas.microsoft.com/office/drawing/2014/main" id="{57079300-6174-C255-DB2B-4A828194E74A}"/>
+              </a:ext>
+            </a:extLst>
+          </p:cNvPr>
+          <p:cNvSpPr txBox="1"/>
+          <p:nvPr/>
+        </p:nvSpPr>
+        <p:spPr>
+          <a:xfrm>
+            <a:off x="1066799" y="1972659"/>
+            <a:ext cx="10058399" cy="3046988"/>
+          </a:xfrm>
+          <a:prstGeom prst="rect">
+            <a:avLst/>
+          </a:prstGeom>
+          <a:noFill/>
+        </p:spPr>
+        <p:txBody>
+          <a:bodyPr wrap="square" rtlCol="0">
+            <a:spAutoFit/>
+          </a:bodyPr>
+          <a:lstStyle/>
+          <a:p>
+            <a:r>
+              <a:rPr lang="en-US" sz="2400" i="1" dirty="0">
+                <a:ln w="0"/>
+                <a:solidFill>
+                  <a:srgbClr val="009E47"/>
+                </a:solidFill>
+                <a:effectLst>
+                  <a:outerShdw blurRad="38100" dist="25400" dir="5400000" algn="ctr" rotWithShape="0">
+                    <a:srgbClr val="6E747A">
+                      <a:alpha val="43000"/>
+                    </a:srgbClr>
+                  </a:outerShdw>
+                </a:effectLst>
+              </a:rPr>
+              <a:t>Benefits</a:t>
+            </a:r>
+            <a:r>
+              <a:rPr lang="en-US" sz="2400" i="1" dirty="0">
+                <a:ln w="0"/>
+                <a:solidFill>
+                  <a:srgbClr val="002060"/>
+                </a:solidFill>
+                <a:effectLst>
+                  <a:outerShdw blurRad="38100" dist="25400" dir="5400000" algn="ctr" rotWithShape="0">
+                    <a:srgbClr val="6E747A">
+                      <a:alpha val="43000"/>
+                    </a:srgbClr>
+                  </a:outerShdw>
+                </a:effectLst>
+              </a:rPr>
+              <a:t>:</a:t>
+            </a:r>
+          </a:p>
+          <a:p>
+            <a:pPr marL="342900" indent="-342900">
+              <a:buFont typeface="Arial" panose="020B0604020202020204" pitchFamily="34" charset="0"/>
+              <a:buChar char="•"/>
+            </a:pPr>
+            <a:r>
+              <a:rPr lang="en-US" sz="2400" i="1" dirty="0">
+                <a:ln w="0"/>
+                <a:solidFill>
+                  <a:srgbClr val="002060"/>
+                </a:solidFill>
+                <a:effectLst>
+                  <a:outerShdw blurRad="38100" dist="25400" dir="5400000" algn="ctr" rotWithShape="0">
+                    <a:srgbClr val="6E747A">
+                      <a:alpha val="43000"/>
+                    </a:srgbClr>
+                  </a:outerShdw>
+                </a:effectLst>
+              </a:rPr>
+              <a:t>These systems can encompass most of the “detected attacks” and “react to attacks” tactics.</a:t>
+            </a:r>
+          </a:p>
+          <a:p>
+            <a:pPr marL="342900" indent="-342900">
+              <a:buFont typeface="Arial" panose="020B0604020202020204" pitchFamily="34" charset="0"/>
+              <a:buChar char="•"/>
+            </a:pPr>
+            <a:endParaRPr lang="en-US" sz="2400" i="1" dirty="0">
+              <a:ln w="0"/>
+              <a:solidFill>
+                <a:srgbClr val="002060"/>
+              </a:solidFill>
+              <a:effectLst>
+                <a:outerShdw blurRad="38100" dist="25400" dir="5400000" algn="ctr" rotWithShape="0">
+                  <a:srgbClr val="6E747A">
+                    <a:alpha val="43000"/>
+                  </a:srgbClr>
+                </a:outerShdw>
+              </a:effectLst>
+            </a:endParaRPr>
+          </a:p>
+          <a:p>
+            <a:r>
+              <a:rPr lang="en-US" sz="2400" i="1" dirty="0">
+                <a:ln w="0"/>
+                <a:solidFill>
+                  <a:srgbClr val="FF0000"/>
+                </a:solidFill>
+                <a:effectLst>
+                  <a:outerShdw blurRad="38100" dist="25400" dir="5400000" algn="ctr" rotWithShape="0">
+                    <a:srgbClr val="6E747A">
+                      <a:alpha val="43000"/>
+                    </a:srgbClr>
+                  </a:outerShdw>
+                </a:effectLst>
+              </a:rPr>
+              <a:t>Tradeoffs</a:t>
+            </a:r>
+            <a:r>
+              <a:rPr lang="en-US" sz="2400" i="1" dirty="0">
+                <a:ln w="0"/>
+                <a:solidFill>
+                  <a:srgbClr val="002060"/>
+                </a:solidFill>
+                <a:effectLst>
+                  <a:outerShdw blurRad="38100" dist="25400" dir="5400000" algn="ctr" rotWithShape="0">
+                    <a:srgbClr val="6E747A">
+                      <a:alpha val="43000"/>
+                    </a:srgbClr>
+                  </a:outerShdw>
+                </a:effectLst>
+              </a:rPr>
+              <a:t>:</a:t>
+            </a:r>
+          </a:p>
+          <a:p>
+            <a:pPr marL="342900" indent="-342900">
+              <a:buFont typeface="Arial" panose="020B0604020202020204" pitchFamily="34" charset="0"/>
+              <a:buChar char="•"/>
+            </a:pPr>
+            <a:r>
+              <a:rPr lang="en-US" sz="2400" i="1" dirty="0">
+                <a:ln w="0"/>
+                <a:solidFill>
+                  <a:srgbClr val="002060"/>
+                </a:solidFill>
+                <a:effectLst>
+                  <a:outerShdw blurRad="38100" dist="25400" dir="5400000" algn="ctr" rotWithShape="0">
+                    <a:srgbClr val="6E747A">
+                      <a:alpha val="43000"/>
+                    </a:srgbClr>
+                  </a:outerShdw>
+                </a:effectLst>
+              </a:rPr>
+              <a:t>The patterns of activity that an IPS looks for, change and evolve over time, so the patterns database must be constantly updated.</a:t>
+            </a:r>
+          </a:p>
+          <a:p>
+            <a:pPr marL="342900" indent="-342900">
+              <a:buFont typeface="Arial" panose="020B0604020202020204" pitchFamily="34" charset="0"/>
+              <a:buChar char="•"/>
+            </a:pPr>
+            <a:r>
+              <a:rPr lang="en-US" sz="2400" i="1" dirty="0">
+                <a:ln w="0"/>
+                <a:solidFill>
+                  <a:srgbClr val="002060"/>
+                </a:solidFill>
+                <a:effectLst>
+                  <a:outerShdw blurRad="38100" dist="25400" dir="5400000" algn="ctr" rotWithShape="0">
+                    <a:srgbClr val="6E747A">
+                      <a:alpha val="43000"/>
+                    </a:srgbClr>
+                  </a:outerShdw>
+                </a:effectLst>
+              </a:rPr>
+              <a:t>Systems employing an IPS incur a performance cost.</a:t>
+            </a:r>
+          </a:p>
+        </p:txBody>
+      </p:sp>
+    </p:spTree>
+    <p:extLst>
+      <p:ext uri="{BB962C8B-B14F-4D97-AF65-F5344CB8AC3E}">
+        <p14:creationId xmlns:p14="http://schemas.microsoft.com/office/powerpoint/2010/main" val="2183724322"/>
+      </p:ext>
+    </p:extLst>
+  </p:cSld>
+  <p:clrMapOvr>
+    <a:masterClrMapping/>
+  </p:clrMapOvr>
+</p:sld>
+</file>
+
+<file path=ppt/slides/slide26.xml><?xml version="1.0" encoding="utf-8"?>
+<p:sld xmlns:a="http://schemas.openxmlformats.org/drawingml/2006/main" xmlns:r="http://schemas.openxmlformats.org/officeDocument/2006/relationships" xmlns:p="http://schemas.openxmlformats.org/presentationml/2006/main">
+  <p:cSld>
+    <p:spTree>
+      <p:nvGrpSpPr>
+        <p:cNvPr id="1" name=""/>
+        <p:cNvGrpSpPr/>
+        <p:nvPr/>
+      </p:nvGrpSpPr>
+      <p:grpSpPr>
+        <a:xfrm>
+          <a:off x="0" y="0"/>
+          <a:ext cx="0" cy="0"/>
+          <a:chOff x="0" y="0"/>
+          <a:chExt cx="0" cy="0"/>
+        </a:xfrm>
+      </p:grpSpPr>
+      <p:sp>
+        <p:nvSpPr>
+          <p:cNvPr id="4" name="Segnaposto numero diapositiva 3">
+            <a:extLst>
+              <a:ext uri="{FF2B5EF4-FFF2-40B4-BE49-F238E27FC236}">
+                <a16:creationId xmlns:a16="http://schemas.microsoft.com/office/drawing/2014/main" id="{91E057A0-BAB1-4D57-BDBD-F8F3DE02BEE1}"/>
+              </a:ext>
+            </a:extLst>
+          </p:cNvPr>
+          <p:cNvSpPr>
+            <a:spLocks noGrp="1"/>
+          </p:cNvSpPr>
+          <p:nvPr>
+            <p:ph type="sldNum" sz="quarter" idx="12"/>
+          </p:nvPr>
+        </p:nvSpPr>
+        <p:spPr/>
+        <p:txBody>
+          <a:bodyPr/>
+          <a:lstStyle/>
+          <a:p>
+            <a:fld id="{AFB85319-5DF8-4B17-9881-6D5B2C7AB305}" type="slidenum">
+              <a:rPr lang="it-IT" smtClean="0"/>
+              <a:t>26</a:t>
+            </a:fld>
             <a:endParaRPr lang="it-IT" dirty="0"/>
           </a:p>
         </p:txBody>
